--- a/content/2017/08/06/imicc.pptx
+++ b/content/2017/08/06/imicc.pptx
@@ -5,17 +5,18 @@
     <p:sldMasterId id="2147483648" r:id="rId1"/>
   </p:sldMasterIdLst>
   <p:notesMasterIdLst>
-    <p:notesMasterId r:id="rId10"/>
+    <p:notesMasterId r:id="rId11"/>
   </p:notesMasterIdLst>
   <p:sldIdLst>
     <p:sldId id="256" r:id="rId2"/>
     <p:sldId id="260" r:id="rId3"/>
     <p:sldId id="271" r:id="rId4"/>
-    <p:sldId id="272" r:id="rId5"/>
-    <p:sldId id="273" r:id="rId6"/>
-    <p:sldId id="275" r:id="rId7"/>
-    <p:sldId id="274" r:id="rId8"/>
-    <p:sldId id="265" r:id="rId9"/>
+    <p:sldId id="276" r:id="rId5"/>
+    <p:sldId id="272" r:id="rId6"/>
+    <p:sldId id="273" r:id="rId7"/>
+    <p:sldId id="275" r:id="rId8"/>
+    <p:sldId id="274" r:id="rId9"/>
+    <p:sldId id="265" r:id="rId10"/>
   </p:sldIdLst>
   <p:sldSz cx="9144000" cy="6858000" type="screen4x3"/>
   <p:notesSz cx="6858000" cy="9144000"/>
@@ -199,7 +200,7 @@
           <a:p>
             <a:fld id="{63A57B92-2862-8A43-A19F-8AB1959CFD0E}" type="datetimeFigureOut">
               <a:rPr kumimoji="1" lang="ja-JP" altLang="en-US" smtClean="0"/>
-              <a:t>17/08/06</a:t>
+              <a:t>17/08/07</a:t>
             </a:fld>
             <a:endParaRPr kumimoji="1" lang="ja-JP" altLang="en-US"/>
           </a:p>
@@ -1003,6 +1004,90 @@
 </p:notes>
 </file>
 
+<file path=ppt/notesSlides/notesSlide7.xml><?xml version="1.0" encoding="utf-8"?>
+<p:notes xmlns:a="http://schemas.openxmlformats.org/drawingml/2006/main" xmlns:r="http://schemas.openxmlformats.org/officeDocument/2006/relationships" xmlns:p="http://schemas.openxmlformats.org/presentationml/2006/main">
+  <p:cSld>
+    <p:spTree>
+      <p:nvGrpSpPr>
+        <p:cNvPr id="1" name=""/>
+        <p:cNvGrpSpPr/>
+        <p:nvPr/>
+      </p:nvGrpSpPr>
+      <p:grpSpPr>
+        <a:xfrm>
+          <a:off x="0" y="0"/>
+          <a:ext cx="0" cy="0"/>
+          <a:chOff x="0" y="0"/>
+          <a:chExt cx="0" cy="0"/>
+        </a:xfrm>
+      </p:grpSpPr>
+      <p:sp>
+        <p:nvSpPr>
+          <p:cNvPr id="2" name="スライド イメージ プレースホルダー 1"/>
+          <p:cNvSpPr>
+            <a:spLocks noGrp="1" noRot="1" noChangeAspect="1"/>
+          </p:cNvSpPr>
+          <p:nvPr>
+            <p:ph type="sldImg"/>
+          </p:nvPr>
+        </p:nvSpPr>
+        <p:spPr/>
+      </p:sp>
+      <p:sp>
+        <p:nvSpPr>
+          <p:cNvPr id="3" name="ノート プレースホルダー 2"/>
+          <p:cNvSpPr>
+            <a:spLocks noGrp="1"/>
+          </p:cNvSpPr>
+          <p:nvPr>
+            <p:ph type="body" idx="1"/>
+          </p:nvPr>
+        </p:nvSpPr>
+        <p:spPr/>
+        <p:txBody>
+          <a:bodyPr/>
+          <a:lstStyle/>
+          <a:p>
+            <a:endParaRPr kumimoji="1" lang="ja-JP" altLang="en-US" dirty="0"/>
+          </a:p>
+        </p:txBody>
+      </p:sp>
+      <p:sp>
+        <p:nvSpPr>
+          <p:cNvPr id="4" name="スライド番号プレースホルダー 3"/>
+          <p:cNvSpPr>
+            <a:spLocks noGrp="1"/>
+          </p:cNvSpPr>
+          <p:nvPr>
+            <p:ph type="sldNum" sz="quarter" idx="10"/>
+          </p:nvPr>
+        </p:nvSpPr>
+        <p:spPr/>
+        <p:txBody>
+          <a:bodyPr/>
+          <a:lstStyle/>
+          <a:p>
+            <a:fld id="{063EEBA0-F138-8A47-8AF2-8CE3D86DD42A}" type="slidenum">
+              <a:rPr kumimoji="1" lang="ja-JP" altLang="en-US" smtClean="0"/>
+              <a:t>8</a:t>
+            </a:fld>
+            <a:endParaRPr kumimoji="1" lang="ja-JP" altLang="en-US"/>
+          </a:p>
+        </p:txBody>
+      </p:sp>
+    </p:spTree>
+    <p:extLst>
+      <p:ext uri="{BB962C8B-B14F-4D97-AF65-F5344CB8AC3E}">
+        <p14:creationId xmlns:p14="http://schemas.microsoft.com/office/powerpoint/2010/main" val="388761849"/>
+      </p:ext>
+    </p:extLst>
+  </p:cSld>
+  <p:clrMapOvr>
+    <a:masterClrMapping/>
+  </p:clrMapOvr>
+</p:notes>
+</file>
+
 <file path=ppt/slideLayouts/slideLayout1.xml><?xml version="1.0" encoding="utf-8"?>
 <p:sldLayout xmlns:a="http://schemas.openxmlformats.org/drawingml/2006/main" xmlns:r="http://schemas.openxmlformats.org/officeDocument/2006/relationships" xmlns:p="http://schemas.openxmlformats.org/presentationml/2006/main" type="title" preserve="1">
   <p:cSld name="タイトル スライド">
@@ -1184,7 +1269,7 @@
           <a:p>
             <a:fld id="{4F0558A2-0B0A-B14F-859A-4B528F94A5F2}" type="datetimeFigureOut">
               <a:rPr kumimoji="1" lang="ja-JP" altLang="en-US" smtClean="0"/>
-              <a:t>17/08/06</a:t>
+              <a:t>17/08/07</a:t>
             </a:fld>
             <a:endParaRPr kumimoji="1" lang="ja-JP" altLang="en-US"/>
           </a:p>
@@ -1386,7 +1471,7 @@
           <a:p>
             <a:fld id="{4F0558A2-0B0A-B14F-859A-4B528F94A5F2}" type="datetimeFigureOut">
               <a:rPr kumimoji="1" lang="ja-JP" altLang="en-US" smtClean="0"/>
-              <a:t>17/08/06</a:t>
+              <a:t>17/08/07</a:t>
             </a:fld>
             <a:endParaRPr kumimoji="1" lang="ja-JP" altLang="en-US"/>
           </a:p>
@@ -1598,7 +1683,7 @@
           <a:p>
             <a:fld id="{4F0558A2-0B0A-B14F-859A-4B528F94A5F2}" type="datetimeFigureOut">
               <a:rPr kumimoji="1" lang="ja-JP" altLang="en-US" smtClean="0"/>
-              <a:t>17/08/06</a:t>
+              <a:t>17/08/07</a:t>
             </a:fld>
             <a:endParaRPr kumimoji="1" lang="ja-JP" altLang="en-US"/>
           </a:p>
@@ -1800,7 +1885,7 @@
           <a:p>
             <a:fld id="{4F0558A2-0B0A-B14F-859A-4B528F94A5F2}" type="datetimeFigureOut">
               <a:rPr kumimoji="1" lang="ja-JP" altLang="en-US" smtClean="0"/>
-              <a:t>17/08/06</a:t>
+              <a:t>17/08/07</a:t>
             </a:fld>
             <a:endParaRPr kumimoji="1" lang="ja-JP" altLang="en-US"/>
           </a:p>
@@ -2046,7 +2131,7 @@
           <a:p>
             <a:fld id="{4F0558A2-0B0A-B14F-859A-4B528F94A5F2}" type="datetimeFigureOut">
               <a:rPr kumimoji="1" lang="ja-JP" altLang="en-US" smtClean="0"/>
-              <a:t>17/08/06</a:t>
+              <a:t>17/08/07</a:t>
             </a:fld>
             <a:endParaRPr kumimoji="1" lang="ja-JP" altLang="en-US"/>
           </a:p>
@@ -2398,7 +2483,7 @@
           <a:p>
             <a:fld id="{4F0558A2-0B0A-B14F-859A-4B528F94A5F2}" type="datetimeFigureOut">
               <a:rPr kumimoji="1" lang="ja-JP" altLang="en-US" smtClean="0"/>
-              <a:t>17/08/06</a:t>
+              <a:t>17/08/07</a:t>
             </a:fld>
             <a:endParaRPr kumimoji="1" lang="ja-JP" altLang="en-US"/>
           </a:p>
@@ -2884,7 +2969,7 @@
           <a:p>
             <a:fld id="{4F0558A2-0B0A-B14F-859A-4B528F94A5F2}" type="datetimeFigureOut">
               <a:rPr kumimoji="1" lang="ja-JP" altLang="en-US" smtClean="0"/>
-              <a:t>17/08/06</a:t>
+              <a:t>17/08/07</a:t>
             </a:fld>
             <a:endParaRPr kumimoji="1" lang="ja-JP" altLang="en-US"/>
           </a:p>
@@ -3002,7 +3087,7 @@
           <a:p>
             <a:fld id="{4F0558A2-0B0A-B14F-859A-4B528F94A5F2}" type="datetimeFigureOut">
               <a:rPr kumimoji="1" lang="ja-JP" altLang="en-US" smtClean="0"/>
-              <a:t>17/08/06</a:t>
+              <a:t>17/08/07</a:t>
             </a:fld>
             <a:endParaRPr kumimoji="1" lang="ja-JP" altLang="en-US"/>
           </a:p>
@@ -3097,7 +3182,7 @@
           <a:p>
             <a:fld id="{4F0558A2-0B0A-B14F-859A-4B528F94A5F2}" type="datetimeFigureOut">
               <a:rPr kumimoji="1" lang="ja-JP" altLang="en-US" smtClean="0"/>
-              <a:t>17/08/06</a:t>
+              <a:t>17/08/07</a:t>
             </a:fld>
             <a:endParaRPr kumimoji="1" lang="ja-JP" altLang="en-US"/>
           </a:p>
@@ -3406,7 +3491,7 @@
           <a:p>
             <a:fld id="{4F0558A2-0B0A-B14F-859A-4B528F94A5F2}" type="datetimeFigureOut">
               <a:rPr kumimoji="1" lang="ja-JP" altLang="en-US" smtClean="0"/>
-              <a:t>17/08/06</a:t>
+              <a:t>17/08/07</a:t>
             </a:fld>
             <a:endParaRPr kumimoji="1" lang="ja-JP" altLang="en-US"/>
           </a:p>
@@ -3659,7 +3744,7 @@
           <a:p>
             <a:fld id="{4F0558A2-0B0A-B14F-859A-4B528F94A5F2}" type="datetimeFigureOut">
               <a:rPr kumimoji="1" lang="ja-JP" altLang="en-US" smtClean="0"/>
-              <a:t>17/08/06</a:t>
+              <a:t>17/08/07</a:t>
             </a:fld>
             <a:endParaRPr kumimoji="1" lang="ja-JP" altLang="en-US"/>
           </a:p>
@@ -3904,7 +3989,7 @@
           <a:p>
             <a:fld id="{4F0558A2-0B0A-B14F-859A-4B528F94A5F2}" type="datetimeFigureOut">
               <a:rPr kumimoji="1" lang="ja-JP" altLang="en-US" smtClean="0"/>
-              <a:t>17/08/06</a:t>
+              <a:t>17/08/07</a:t>
             </a:fld>
             <a:endParaRPr kumimoji="1" lang="ja-JP" altLang="en-US"/>
           </a:p>
@@ -4316,19 +4401,7 @@
             </a:r>
             <a:r>
               <a:rPr lang="en-US" altLang="ja-JP" dirty="0" smtClean="0"/>
-              <a:t> </a:t>
-            </a:r>
-            <a:r>
-              <a:rPr lang="en-US" altLang="ja-JP" dirty="0" smtClean="0"/>
-              <a:t>#</a:t>
-            </a:r>
-            <a:r>
-              <a:rPr lang="en-US" altLang="ja-JP" dirty="0" smtClean="0"/>
-              <a:t>3</a:t>
-            </a:r>
-            <a:r>
-              <a:rPr lang="en-US" altLang="ja-JP" dirty="0" smtClean="0"/>
-              <a:t> </a:t>
+              <a:t> #3 </a:t>
             </a:r>
             <a:r>
               <a:rPr lang="ja-JP" altLang="en-US" dirty="0" smtClean="0"/>
@@ -5218,11 +5291,31 @@
           <a:p>
             <a:r>
               <a:rPr kumimoji="1" lang="en-US" altLang="ja-JP" dirty="0" smtClean="0"/>
-              <a:t>Fig3. </a:t>
-            </a:r>
-            <a:r>
-              <a:rPr kumimoji="1" lang="ja-JP" altLang="en-US" dirty="0" smtClean="0"/>
-              <a:t>抽出</a:t>
+              <a:t>Fig</a:t>
+            </a:r>
+            <a:r>
+              <a:rPr kumimoji="1" lang="en-US" altLang="ja-JP" dirty="0" smtClean="0"/>
+              <a:t>2.2</a:t>
+            </a:r>
+            <a:r>
+              <a:rPr kumimoji="1" lang="en-US" altLang="ja-JP" dirty="0" smtClean="0"/>
+              <a:t>. </a:t>
+            </a:r>
+            <a:r>
+              <a:rPr lang="ja-JP" altLang="en-US" dirty="0" smtClean="0"/>
+              <a:t>E</a:t>
+            </a:r>
+            <a:r>
+              <a:rPr lang="en-US" altLang="ja-JP" dirty="0" err="1" smtClean="0"/>
+              <a:t>xif</a:t>
+            </a:r>
+            <a:r>
+              <a:rPr lang="ja-JP" altLang="en-US" dirty="0"/>
+              <a:t> </a:t>
+            </a:r>
+            <a:r>
+              <a:rPr lang="en-US" altLang="ja-JP" dirty="0" smtClean="0"/>
+              <a:t>XMP</a:t>
             </a:r>
             <a:endParaRPr kumimoji="1" lang="ja-JP" altLang="en-US" dirty="0"/>
           </a:p>
@@ -5329,7 +5422,7 @@
         </p:nvSpPr>
         <p:spPr>
           <a:xfrm>
-            <a:off x="2988225" y="2656627"/>
+            <a:off x="2988225" y="2657205"/>
             <a:ext cx="1972457" cy="533359"/>
           </a:xfrm>
           <a:prstGeom prst="rect">
@@ -5379,8 +5472,8 @@
         </p:nvSpPr>
         <p:spPr>
           <a:xfrm>
-            <a:off x="1852520" y="2655630"/>
-            <a:ext cx="982597" cy="533359"/>
+            <a:off x="2375907" y="2655630"/>
+            <a:ext cx="493769" cy="533359"/>
           </a:xfrm>
           <a:prstGeom prst="rect">
             <a:avLst/>
@@ -5406,104 +5499,14 @@
           <a:p>
             <a:pPr algn="ctr"/>
             <a:r>
-              <a:rPr kumimoji="1" lang="en-US" altLang="ja-JP" sz="1400" dirty="0" smtClean="0">
+              <a:rPr lang="en-US" altLang="ja-JP" sz="1400" dirty="0" smtClean="0">
                 <a:latin typeface="ヒラギノ丸ゴ ProN W4"/>
                 <a:ea typeface="ヒラギノ丸ゴ ProN W4"/>
                 <a:cs typeface="ヒラギノ丸ゴ ProN W4"/>
               </a:rPr>
-              <a:t>ICC</a:t>
-            </a:r>
-            <a:r>
-              <a:rPr lang="en-US" altLang="en-US" sz="1400" dirty="0">
-                <a:latin typeface="ヒラギノ丸ゴ ProN W4"/>
-                <a:ea typeface="ヒラギノ丸ゴ ProN W4"/>
-                <a:cs typeface="ヒラギノ丸ゴ ProN W4"/>
-              </a:rPr>
-              <a:t> </a:t>
-            </a:r>
-            <a:r>
-              <a:rPr lang="en-US" altLang="en-US" sz="1400" dirty="0" smtClean="0">
-                <a:latin typeface="ヒラギノ丸ゴ ProN W4"/>
-                <a:ea typeface="ヒラギノ丸ゴ ProN W4"/>
-                <a:cs typeface="ヒラギノ丸ゴ ProN W4"/>
-              </a:rPr>
-              <a:t>Profile</a:t>
+              <a:t>XMP</a:t>
             </a:r>
             <a:endParaRPr kumimoji="1" lang="ja-JP" altLang="en-US" sz="1400" dirty="0">
-              <a:latin typeface="ヒラギノ丸ゴ ProN W4"/>
-              <a:ea typeface="ヒラギノ丸ゴ ProN W4"/>
-              <a:cs typeface="ヒラギノ丸ゴ ProN W4"/>
-            </a:endParaRPr>
-          </a:p>
-        </p:txBody>
-      </p:sp>
-      <p:sp>
-        <p:nvSpPr>
-          <p:cNvPr id="8" name="正方形/長方形 7"/>
-          <p:cNvSpPr/>
-          <p:nvPr/>
-        </p:nvSpPr>
-        <p:spPr>
-          <a:xfrm>
-            <a:off x="1997498" y="2362290"/>
-            <a:ext cx="669792" cy="407385"/>
-          </a:xfrm>
-          <a:prstGeom prst="rect">
-            <a:avLst/>
-          </a:prstGeom>
-          <a:gradFill>
-            <a:gsLst>
-              <a:gs pos="0">
-                <a:srgbClr val="FF6600"/>
-              </a:gs>
-              <a:gs pos="100000">
-                <a:schemeClr val="accent6">
-                  <a:lumMod val="60000"/>
-                  <a:lumOff val="40000"/>
-                </a:schemeClr>
-              </a:gs>
-            </a:gsLst>
-          </a:gradFill>
-        </p:spPr>
-        <p:style>
-          <a:lnRef idx="1">
-            <a:schemeClr val="accent1"/>
-          </a:lnRef>
-          <a:fillRef idx="3">
-            <a:schemeClr val="accent1"/>
-          </a:fillRef>
-          <a:effectRef idx="2">
-            <a:schemeClr val="accent1"/>
-          </a:effectRef>
-          <a:fontRef idx="minor">
-            <a:schemeClr val="lt1"/>
-          </a:fontRef>
-        </p:style>
-        <p:txBody>
-          <a:bodyPr rtlCol="0" anchor="ctr"/>
-          <a:lstStyle/>
-          <a:p>
-            <a:pPr algn="ctr"/>
-            <a:r>
-              <a:rPr kumimoji="1" lang="en-US" altLang="ja-JP" sz="1200" dirty="0" smtClean="0">
-                <a:latin typeface="ヒラギノ丸ゴ ProN W4"/>
-                <a:ea typeface="ヒラギノ丸ゴ ProN W4"/>
-                <a:cs typeface="ヒラギノ丸ゴ ProN W4"/>
-              </a:rPr>
-              <a:t>APP2</a:t>
-            </a:r>
-          </a:p>
-          <a:p>
-            <a:pPr algn="ctr"/>
-            <a:r>
-              <a:rPr lang="en-US" altLang="ja-JP" sz="1200" dirty="0" smtClean="0">
-                <a:latin typeface="ヒラギノ丸ゴ ProN W4"/>
-                <a:ea typeface="ヒラギノ丸ゴ ProN W4"/>
-                <a:cs typeface="ヒラギノ丸ゴ ProN W4"/>
-              </a:rPr>
-              <a:t>ffe2</a:t>
-            </a:r>
-            <a:endParaRPr kumimoji="1" lang="ja-JP" altLang="en-US" sz="1200" dirty="0">
               <a:latin typeface="ヒラギノ丸ゴ ProN W4"/>
               <a:ea typeface="ヒラギノ丸ゴ ProN W4"/>
               <a:cs typeface="ヒラギノ丸ゴ ProN W4"/>
@@ -5543,73 +5546,18 @@
       </p:pic>
       <p:sp>
         <p:nvSpPr>
-          <p:cNvPr id="14" name="下矢印 13"/>
+          <p:cNvPr id="22" name="正方形/長方形 21"/>
           <p:cNvSpPr/>
           <p:nvPr/>
         </p:nvSpPr>
         <p:spPr>
           <a:xfrm>
-            <a:off x="2038138" y="3566160"/>
-            <a:ext cx="583142" cy="497840"/>
-          </a:xfrm>
-          <a:prstGeom prst="downArrow">
-            <a:avLst/>
-          </a:prstGeom>
-          <a:solidFill>
-            <a:schemeClr val="bg1">
-              <a:lumMod val="75000"/>
-            </a:schemeClr>
-          </a:solidFill>
-          <a:ln>
-            <a:solidFill>
-              <a:schemeClr val="tx1"/>
-            </a:solidFill>
-          </a:ln>
-          <a:effectLst/>
-        </p:spPr>
-        <p:style>
-          <a:lnRef idx="1">
-            <a:schemeClr val="accent1"/>
-          </a:lnRef>
-          <a:fillRef idx="3">
-            <a:schemeClr val="accent1"/>
-          </a:fillRef>
-          <a:effectRef idx="2">
-            <a:schemeClr val="accent1"/>
-          </a:effectRef>
-          <a:fontRef idx="minor">
-            <a:schemeClr val="lt1"/>
-          </a:fontRef>
-        </p:style>
-        <p:txBody>
-          <a:bodyPr rtlCol="0" anchor="ctr"/>
-          <a:lstStyle/>
-          <a:p>
-            <a:pPr algn="ctr"/>
-            <a:endParaRPr kumimoji="1" lang="ja-JP" altLang="en-US"/>
-          </a:p>
-        </p:txBody>
-      </p:sp>
-      <p:sp>
-        <p:nvSpPr>
-          <p:cNvPr id="16" name="正方形/長方形 15"/>
-          <p:cNvSpPr/>
-          <p:nvPr/>
-        </p:nvSpPr>
-        <p:spPr>
-          <a:xfrm>
-            <a:off x="1852520" y="4199950"/>
+            <a:off x="2988225" y="5464720"/>
             <a:ext cx="982597" cy="533359"/>
           </a:xfrm>
           <a:prstGeom prst="rect">
             <a:avLst/>
           </a:prstGeom>
-          <a:ln>
-            <a:solidFill>
-              <a:schemeClr val="tx1"/>
-            </a:solidFill>
-          </a:ln>
-          <a:effectLst/>
         </p:spPr>
         <p:style>
           <a:lnRef idx="1">
@@ -5662,24 +5610,50 @@
           </a:p>
         </p:txBody>
       </p:sp>
-      <p:sp>
-        <p:nvSpPr>
-          <p:cNvPr id="17" name="正方形/長方形 16"/>
-          <p:cNvSpPr/>
+      <p:pic>
+        <p:nvPicPr>
+          <p:cNvPr id="23" name="図 22" descr="saitama2-1.png"/>
+          <p:cNvPicPr>
+            <a:picLocks noChangeAspect="1"/>
+          </p:cNvPicPr>
           <p:nvPr/>
-        </p:nvSpPr>
+        </p:nvPicPr>
+        <p:blipFill>
+          <a:blip r:embed="rId3">
+            <a:extLst>
+              <a:ext uri="{28A0092B-C50C-407E-A947-70E740481C1C}">
+                <a14:useLocalDpi xmlns:a14="http://schemas.microsoft.com/office/drawing/2010/main" val="0"/>
+              </a:ext>
+            </a:extLst>
+          </a:blip>
+          <a:stretch>
+            <a:fillRect/>
+          </a:stretch>
+        </p:blipFill>
         <p:spPr>
           <a:xfrm>
-            <a:off x="1432560" y="3345309"/>
-            <a:ext cx="755240" cy="474881"/>
+            <a:off x="1269999" y="5376624"/>
+            <a:ext cx="1165041" cy="661443"/>
           </a:xfrm>
           <a:prstGeom prst="rect">
             <a:avLst/>
           </a:prstGeom>
-          <a:noFill/>
-          <a:ln>
-            <a:noFill/>
-          </a:ln>
+        </p:spPr>
+      </p:pic>
+      <p:sp>
+        <p:nvSpPr>
+          <p:cNvPr id="24" name="加算記号 23"/>
+          <p:cNvSpPr/>
+          <p:nvPr/>
+        </p:nvSpPr>
+        <p:spPr>
+          <a:xfrm>
+            <a:off x="2444419" y="5464720"/>
+            <a:ext cx="486382" cy="533359"/>
+          </a:xfrm>
+          <a:prstGeom prst="mathPlus">
+            <a:avLst/>
+          </a:prstGeom>
         </p:spPr>
         <p:style>
           <a:lnRef idx="1">
@@ -5696,25 +5670,129 @@
           </a:fontRef>
         </p:style>
         <p:txBody>
-          <a:bodyPr wrap="none" rtlCol="0" anchor="ctr" anchorCtr="0"/>
+          <a:bodyPr rtlCol="0" anchor="ctr"/>
           <a:lstStyle/>
           <a:p>
             <a:pPr algn="ctr"/>
-            <a:r>
-              <a:rPr kumimoji="1" lang="ja-JP" altLang="en-US" dirty="0" smtClean="0">
-                <a:solidFill>
-                  <a:srgbClr val="000000"/>
-                </a:solidFill>
+            <a:endParaRPr kumimoji="1" lang="ja-JP" altLang="en-US"/>
+          </a:p>
+        </p:txBody>
+      </p:sp>
+      <p:pic>
+        <p:nvPicPr>
+          <p:cNvPr id="25" name="図 24" descr="saitama1-1.png"/>
+          <p:cNvPicPr>
+            <a:picLocks noChangeAspect="1"/>
+          </p:cNvPicPr>
+          <p:nvPr/>
+        </p:nvPicPr>
+        <p:blipFill>
+          <a:blip r:embed="rId4">
+            <a:extLst>
+              <a:ext uri="{28A0092B-C50C-407E-A947-70E740481C1C}">
+                <a14:useLocalDpi xmlns:a14="http://schemas.microsoft.com/office/drawing/2010/main" val="0"/>
+              </a:ext>
+            </a:extLst>
+          </a:blip>
+          <a:stretch>
+            <a:fillRect/>
+          </a:stretch>
+        </p:blipFill>
+        <p:spPr>
+          <a:xfrm>
+            <a:off x="4531493" y="5380637"/>
+            <a:ext cx="1157974" cy="657430"/>
+          </a:xfrm>
+          <a:prstGeom prst="rect">
+            <a:avLst/>
+          </a:prstGeom>
+        </p:spPr>
+      </p:pic>
+      <p:sp>
+        <p:nvSpPr>
+          <p:cNvPr id="26" name="等号 25"/>
+          <p:cNvSpPr/>
+          <p:nvPr/>
+        </p:nvSpPr>
+        <p:spPr>
+          <a:xfrm>
+            <a:off x="4056575" y="5604810"/>
+            <a:ext cx="406400" cy="381666"/>
+          </a:xfrm>
+          <a:prstGeom prst="mathEqual">
+            <a:avLst/>
+          </a:prstGeom>
+        </p:spPr>
+        <p:style>
+          <a:lnRef idx="1">
+            <a:schemeClr val="accent1"/>
+          </a:lnRef>
+          <a:fillRef idx="3">
+            <a:schemeClr val="accent1"/>
+          </a:fillRef>
+          <a:effectRef idx="2">
+            <a:schemeClr val="accent1"/>
+          </a:effectRef>
+          <a:fontRef idx="minor">
+            <a:schemeClr val="lt1"/>
+          </a:fontRef>
+        </p:style>
+        <p:txBody>
+          <a:bodyPr rtlCol="0" anchor="ctr"/>
+          <a:lstStyle/>
+          <a:p>
+            <a:pPr algn="ctr"/>
+            <a:endParaRPr kumimoji="1" lang="ja-JP" altLang="en-US">
+              <a:solidFill>
+                <a:schemeClr val="tx1"/>
+              </a:solidFill>
+            </a:endParaRPr>
+          </a:p>
+        </p:txBody>
+      </p:sp>
+      <p:sp>
+        <p:nvSpPr>
+          <p:cNvPr id="14" name="正方形/長方形 13"/>
+          <p:cNvSpPr/>
+          <p:nvPr/>
+        </p:nvSpPr>
+        <p:spPr>
+          <a:xfrm>
+            <a:off x="1649291" y="2658780"/>
+            <a:ext cx="615616" cy="533359"/>
+          </a:xfrm>
+          <a:prstGeom prst="rect">
+            <a:avLst/>
+          </a:prstGeom>
+        </p:spPr>
+        <p:style>
+          <a:lnRef idx="1">
+            <a:schemeClr val="accent1"/>
+          </a:lnRef>
+          <a:fillRef idx="3">
+            <a:schemeClr val="accent1"/>
+          </a:fillRef>
+          <a:effectRef idx="2">
+            <a:schemeClr val="accent1"/>
+          </a:effectRef>
+          <a:fontRef idx="minor">
+            <a:schemeClr val="lt1"/>
+          </a:fontRef>
+        </p:style>
+        <p:txBody>
+          <a:bodyPr wrap="none" rtlCol="0" anchor="ctr"/>
+          <a:lstStyle/>
+          <a:p>
+            <a:pPr algn="ctr"/>
+            <a:r>
+              <a:rPr kumimoji="1" lang="en-US" altLang="ja-JP" sz="1400" dirty="0" err="1" smtClean="0">
                 <a:latin typeface="ヒラギノ丸ゴ ProN W4"/>
                 <a:ea typeface="ヒラギノ丸ゴ ProN W4"/>
                 <a:cs typeface="ヒラギノ丸ゴ ProN W4"/>
               </a:rPr>
-              <a:t>抽出</a:t>
-            </a:r>
-            <a:endParaRPr kumimoji="1" lang="ja-JP" altLang="en-US" dirty="0">
-              <a:solidFill>
-                <a:srgbClr val="000000"/>
-              </a:solidFill>
+              <a:t>Exif</a:t>
+            </a:r>
+            <a:endParaRPr kumimoji="1" lang="ja-JP" altLang="en-US" sz="1400" dirty="0">
               <a:latin typeface="ヒラギノ丸ゴ ProN W4"/>
               <a:ea typeface="ヒラギノ丸ゴ ProN W4"/>
               <a:cs typeface="ヒラギノ丸ゴ ProN W4"/>
@@ -5722,10 +5800,190 @@
           </a:p>
         </p:txBody>
       </p:sp>
+      <p:sp>
+        <p:nvSpPr>
+          <p:cNvPr id="8" name="正方形/長方形 7"/>
+          <p:cNvSpPr/>
+          <p:nvPr/>
+        </p:nvSpPr>
+        <p:spPr>
+          <a:xfrm>
+            <a:off x="2291909" y="2370930"/>
+            <a:ext cx="669792" cy="407385"/>
+          </a:xfrm>
+          <a:prstGeom prst="rect">
+            <a:avLst/>
+          </a:prstGeom>
+          <a:gradFill>
+            <a:gsLst>
+              <a:gs pos="0">
+                <a:srgbClr val="FF6600"/>
+              </a:gs>
+              <a:gs pos="100000">
+                <a:schemeClr val="accent6">
+                  <a:lumMod val="60000"/>
+                  <a:lumOff val="40000"/>
+                </a:schemeClr>
+              </a:gs>
+            </a:gsLst>
+          </a:gradFill>
+        </p:spPr>
+        <p:style>
+          <a:lnRef idx="1">
+            <a:schemeClr val="accent1"/>
+          </a:lnRef>
+          <a:fillRef idx="3">
+            <a:schemeClr val="accent1"/>
+          </a:fillRef>
+          <a:effectRef idx="2">
+            <a:schemeClr val="accent1"/>
+          </a:effectRef>
+          <a:fontRef idx="minor">
+            <a:schemeClr val="lt1"/>
+          </a:fontRef>
+        </p:style>
+        <p:txBody>
+          <a:bodyPr rtlCol="0" anchor="ctr"/>
+          <a:lstStyle/>
+          <a:p>
+            <a:pPr algn="ctr"/>
+            <a:r>
+              <a:rPr kumimoji="1" lang="en-US" altLang="ja-JP" sz="1200" dirty="0" smtClean="0">
+                <a:latin typeface="ヒラギノ丸ゴ ProN W4"/>
+                <a:ea typeface="ヒラギノ丸ゴ ProN W4"/>
+                <a:cs typeface="ヒラギノ丸ゴ ProN W4"/>
+              </a:rPr>
+              <a:t>APP</a:t>
+            </a:r>
+            <a:r>
+              <a:rPr kumimoji="1" lang="en-US" altLang="ja-JP" sz="1200" dirty="0" smtClean="0">
+                <a:latin typeface="ヒラギノ丸ゴ ProN W4"/>
+                <a:ea typeface="ヒラギノ丸ゴ ProN W4"/>
+                <a:cs typeface="ヒラギノ丸ゴ ProN W4"/>
+              </a:rPr>
+              <a:t>1</a:t>
+            </a:r>
+          </a:p>
+          <a:p>
+            <a:pPr algn="ctr"/>
+            <a:r>
+              <a:rPr lang="en-US" altLang="ja-JP" sz="1200" dirty="0" smtClean="0">
+                <a:latin typeface="ヒラギノ丸ゴ ProN W4"/>
+                <a:ea typeface="ヒラギノ丸ゴ ProN W4"/>
+                <a:cs typeface="ヒラギノ丸ゴ ProN W4"/>
+              </a:rPr>
+              <a:t>ffe</a:t>
+            </a:r>
+            <a:r>
+              <a:rPr lang="en-US" altLang="ja-JP" sz="1200" dirty="0" smtClean="0">
+                <a:latin typeface="ヒラギノ丸ゴ ProN W4"/>
+                <a:ea typeface="ヒラギノ丸ゴ ProN W4"/>
+                <a:cs typeface="ヒラギノ丸ゴ ProN W4"/>
+              </a:rPr>
+              <a:t>1</a:t>
+            </a:r>
+            <a:endParaRPr kumimoji="1" lang="ja-JP" altLang="en-US" sz="1200" dirty="0">
+              <a:latin typeface="ヒラギノ丸ゴ ProN W4"/>
+              <a:ea typeface="ヒラギノ丸ゴ ProN W4"/>
+              <a:cs typeface="ヒラギノ丸ゴ ProN W4"/>
+            </a:endParaRPr>
+          </a:p>
+        </p:txBody>
+      </p:sp>
+      <p:sp>
+        <p:nvSpPr>
+          <p:cNvPr id="15" name="正方形/長方形 14"/>
+          <p:cNvSpPr/>
+          <p:nvPr/>
+        </p:nvSpPr>
+        <p:spPr>
+          <a:xfrm>
+            <a:off x="1649291" y="2370404"/>
+            <a:ext cx="669792" cy="407385"/>
+          </a:xfrm>
+          <a:prstGeom prst="rect">
+            <a:avLst/>
+          </a:prstGeom>
+          <a:gradFill>
+            <a:gsLst>
+              <a:gs pos="0">
+                <a:srgbClr val="FF6600"/>
+              </a:gs>
+              <a:gs pos="100000">
+                <a:schemeClr val="accent6">
+                  <a:lumMod val="60000"/>
+                  <a:lumOff val="40000"/>
+                </a:schemeClr>
+              </a:gs>
+            </a:gsLst>
+          </a:gradFill>
+        </p:spPr>
+        <p:style>
+          <a:lnRef idx="1">
+            <a:schemeClr val="accent1"/>
+          </a:lnRef>
+          <a:fillRef idx="3">
+            <a:schemeClr val="accent1"/>
+          </a:fillRef>
+          <a:effectRef idx="2">
+            <a:schemeClr val="accent1"/>
+          </a:effectRef>
+          <a:fontRef idx="minor">
+            <a:schemeClr val="lt1"/>
+          </a:fontRef>
+        </p:style>
+        <p:txBody>
+          <a:bodyPr rtlCol="0" anchor="ctr"/>
+          <a:lstStyle/>
+          <a:p>
+            <a:pPr algn="ctr"/>
+            <a:r>
+              <a:rPr kumimoji="1" lang="en-US" altLang="ja-JP" sz="1200" dirty="0" smtClean="0">
+                <a:latin typeface="ヒラギノ丸ゴ ProN W4"/>
+                <a:ea typeface="ヒラギノ丸ゴ ProN W4"/>
+                <a:cs typeface="ヒラギノ丸ゴ ProN W4"/>
+              </a:rPr>
+              <a:t>APP</a:t>
+            </a:r>
+            <a:r>
+              <a:rPr kumimoji="1" lang="en-US" altLang="ja-JP" sz="1200" dirty="0" smtClean="0">
+                <a:latin typeface="ヒラギノ丸ゴ ProN W4"/>
+                <a:ea typeface="ヒラギノ丸ゴ ProN W4"/>
+                <a:cs typeface="ヒラギノ丸ゴ ProN W4"/>
+              </a:rPr>
+              <a:t>1</a:t>
+            </a:r>
+          </a:p>
+          <a:p>
+            <a:pPr algn="ctr"/>
+            <a:r>
+              <a:rPr lang="en-US" altLang="ja-JP" sz="1200" dirty="0" smtClean="0">
+                <a:latin typeface="ヒラギノ丸ゴ ProN W4"/>
+                <a:ea typeface="ヒラギノ丸ゴ ProN W4"/>
+                <a:cs typeface="ヒラギノ丸ゴ ProN W4"/>
+              </a:rPr>
+              <a:t>ffe</a:t>
+            </a:r>
+            <a:r>
+              <a:rPr lang="en-US" altLang="ja-JP" sz="1200" dirty="0" smtClean="0">
+                <a:latin typeface="ヒラギノ丸ゴ ProN W4"/>
+                <a:ea typeface="ヒラギノ丸ゴ ProN W4"/>
+                <a:cs typeface="ヒラギノ丸ゴ ProN W4"/>
+              </a:rPr>
+              <a:t>1</a:t>
+            </a:r>
+            <a:endParaRPr kumimoji="1" lang="ja-JP" altLang="en-US" sz="1200" dirty="0">
+              <a:latin typeface="ヒラギノ丸ゴ ProN W4"/>
+              <a:ea typeface="ヒラギノ丸ゴ ProN W4"/>
+              <a:cs typeface="ヒラギノ丸ゴ ProN W4"/>
+            </a:endParaRPr>
+          </a:p>
+        </p:txBody>
+      </p:sp>
     </p:spTree>
     <p:extLst>
       <p:ext uri="{BB962C8B-B14F-4D97-AF65-F5344CB8AC3E}">
-        <p14:creationId xmlns:p14="http://schemas.microsoft.com/office/powerpoint/2010/main" val="3297424113"/>
+        <p14:creationId xmlns:p14="http://schemas.microsoft.com/office/powerpoint/2010/main" val="2397420374"/>
       </p:ext>
     </p:extLst>
   </p:cSld>
@@ -5768,12 +6026,12 @@
           <a:lstStyle/>
           <a:p>
             <a:r>
-              <a:rPr lang="en-US" altLang="ja-JP" dirty="0" smtClean="0"/>
-              <a:t>Fig4 </a:t>
-            </a:r>
-            <a:r>
-              <a:rPr lang="ja-JP" altLang="en-US" dirty="0" smtClean="0"/>
-              <a:t>削除</a:t>
+              <a:rPr kumimoji="1" lang="en-US" altLang="ja-JP" dirty="0" smtClean="0"/>
+              <a:t>Fig3. </a:t>
+            </a:r>
+            <a:r>
+              <a:rPr kumimoji="1" lang="ja-JP" altLang="en-US" dirty="0" smtClean="0"/>
+              <a:t>抽出</a:t>
             </a:r>
             <a:endParaRPr kumimoji="1" lang="ja-JP" altLang="en-US" dirty="0"/>
           </a:p>
@@ -5936,25 +6194,6 @@
           <a:prstGeom prst="rect">
             <a:avLst/>
           </a:prstGeom>
-          <a:gradFill>
-            <a:gsLst>
-              <a:gs pos="0">
-                <a:schemeClr val="accent1">
-                  <a:tint val="100000"/>
-                  <a:shade val="100000"/>
-                  <a:satMod val="130000"/>
-                  <a:alpha val="25000"/>
-                </a:schemeClr>
-              </a:gs>
-              <a:gs pos="100000">
-                <a:schemeClr val="accent1">
-                  <a:tint val="50000"/>
-                  <a:shade val="100000"/>
-                  <a:satMod val="350000"/>
-                </a:schemeClr>
-              </a:gs>
-            </a:gsLst>
-          </a:gradFill>
         </p:spPr>
         <p:style>
           <a:lnRef idx="1">
@@ -6024,9 +6263,7 @@
           <a:gradFill>
             <a:gsLst>
               <a:gs pos="0">
-                <a:srgbClr val="FF6600">
-                  <a:alpha val="25000"/>
-                </a:srgbClr>
+                <a:srgbClr val="FF6600"/>
               </a:gs>
               <a:gs pos="100000">
                 <a:schemeClr val="accent6">
@@ -6115,13 +6352,134 @@
       </p:pic>
       <p:sp>
         <p:nvSpPr>
+          <p:cNvPr id="14" name="下矢印 13"/>
+          <p:cNvSpPr/>
+          <p:nvPr/>
+        </p:nvSpPr>
+        <p:spPr>
+          <a:xfrm>
+            <a:off x="2038138" y="3566160"/>
+            <a:ext cx="583142" cy="497840"/>
+          </a:xfrm>
+          <a:prstGeom prst="downArrow">
+            <a:avLst/>
+          </a:prstGeom>
+          <a:solidFill>
+            <a:schemeClr val="bg1">
+              <a:lumMod val="75000"/>
+            </a:schemeClr>
+          </a:solidFill>
+          <a:ln>
+            <a:solidFill>
+              <a:schemeClr val="tx1"/>
+            </a:solidFill>
+          </a:ln>
+          <a:effectLst/>
+        </p:spPr>
+        <p:style>
+          <a:lnRef idx="1">
+            <a:schemeClr val="accent1"/>
+          </a:lnRef>
+          <a:fillRef idx="3">
+            <a:schemeClr val="accent1"/>
+          </a:fillRef>
+          <a:effectRef idx="2">
+            <a:schemeClr val="accent1"/>
+          </a:effectRef>
+          <a:fontRef idx="minor">
+            <a:schemeClr val="lt1"/>
+          </a:fontRef>
+        </p:style>
+        <p:txBody>
+          <a:bodyPr rtlCol="0" anchor="ctr"/>
+          <a:lstStyle/>
+          <a:p>
+            <a:pPr algn="ctr"/>
+            <a:endParaRPr kumimoji="1" lang="ja-JP" altLang="en-US"/>
+          </a:p>
+        </p:txBody>
+      </p:sp>
+      <p:sp>
+        <p:nvSpPr>
+          <p:cNvPr id="16" name="正方形/長方形 15"/>
+          <p:cNvSpPr/>
+          <p:nvPr/>
+        </p:nvSpPr>
+        <p:spPr>
+          <a:xfrm>
+            <a:off x="1852520" y="4199950"/>
+            <a:ext cx="982597" cy="533359"/>
+          </a:xfrm>
+          <a:prstGeom prst="rect">
+            <a:avLst/>
+          </a:prstGeom>
+          <a:ln>
+            <a:solidFill>
+              <a:schemeClr val="tx1"/>
+            </a:solidFill>
+          </a:ln>
+          <a:effectLst/>
+        </p:spPr>
+        <p:style>
+          <a:lnRef idx="1">
+            <a:schemeClr val="accent1"/>
+          </a:lnRef>
+          <a:fillRef idx="3">
+            <a:schemeClr val="accent1"/>
+          </a:fillRef>
+          <a:effectRef idx="2">
+            <a:schemeClr val="accent1"/>
+          </a:effectRef>
+          <a:fontRef idx="minor">
+            <a:schemeClr val="lt1"/>
+          </a:fontRef>
+        </p:style>
+        <p:txBody>
+          <a:bodyPr wrap="none" rtlCol="0" anchor="ctr"/>
+          <a:lstStyle/>
+          <a:p>
+            <a:pPr algn="ctr"/>
+            <a:r>
+              <a:rPr kumimoji="1" lang="en-US" altLang="ja-JP" sz="1400" dirty="0" smtClean="0">
+                <a:latin typeface="ヒラギノ丸ゴ ProN W4"/>
+                <a:ea typeface="ヒラギノ丸ゴ ProN W4"/>
+                <a:cs typeface="ヒラギノ丸ゴ ProN W4"/>
+              </a:rPr>
+              <a:t>ICC</a:t>
+            </a:r>
+            <a:r>
+              <a:rPr lang="en-US" altLang="en-US" sz="1400" dirty="0">
+                <a:latin typeface="ヒラギノ丸ゴ ProN W4"/>
+                <a:ea typeface="ヒラギノ丸ゴ ProN W4"/>
+                <a:cs typeface="ヒラギノ丸ゴ ProN W4"/>
+              </a:rPr>
+              <a:t> </a:t>
+            </a:r>
+            <a:r>
+              <a:rPr lang="en-US" altLang="en-US" sz="1400" dirty="0" smtClean="0">
+                <a:latin typeface="ヒラギノ丸ゴ ProN W4"/>
+                <a:ea typeface="ヒラギノ丸ゴ ProN W4"/>
+                <a:cs typeface="ヒラギノ丸ゴ ProN W4"/>
+              </a:rPr>
+              <a:t>Profile</a:t>
+            </a:r>
+            <a:endParaRPr kumimoji="1" lang="ja-JP" altLang="en-US" sz="1400" dirty="0">
+              <a:latin typeface="ヒラギノ丸ゴ ProN W4"/>
+              <a:ea typeface="ヒラギノ丸ゴ ProN W4"/>
+              <a:cs typeface="ヒラギノ丸ゴ ProN W4"/>
+            </a:endParaRPr>
+          </a:p>
+        </p:txBody>
+      </p:sp>
+      <p:sp>
+        <p:nvSpPr>
           <p:cNvPr id="17" name="正方形/長方形 16"/>
           <p:cNvSpPr/>
           <p:nvPr/>
         </p:nvSpPr>
         <p:spPr>
           <a:xfrm>
-            <a:off x="1929778" y="3323787"/>
+            <a:off x="1432560" y="3345309"/>
             <a:ext cx="755240" cy="474881"/>
           </a:xfrm>
           <a:prstGeom prst="rect">
@@ -6152,7 +6510,7 @@
           <a:p>
             <a:pPr algn="ctr"/>
             <a:r>
-              <a:rPr lang="ja-JP" altLang="en-US" dirty="0" smtClean="0">
+              <a:rPr kumimoji="1" lang="ja-JP" altLang="en-US" dirty="0" smtClean="0">
                 <a:solidFill>
                   <a:srgbClr val="000000"/>
                 </a:solidFill>
@@ -6160,7 +6518,7 @@
                 <a:ea typeface="ヒラギノ丸ゴ ProN W4"/>
                 <a:cs typeface="ヒラギノ丸ゴ ProN W4"/>
               </a:rPr>
-              <a:t>削除</a:t>
+              <a:t>抽出</a:t>
             </a:r>
             <a:endParaRPr kumimoji="1" lang="ja-JP" altLang="en-US" dirty="0">
               <a:solidFill>
@@ -6173,64 +6531,10 @@
           </a:p>
         </p:txBody>
       </p:sp>
-      <p:sp>
-        <p:nvSpPr>
-          <p:cNvPr id="12" name="乗算記号 11"/>
-          <p:cNvSpPr/>
-          <p:nvPr/>
-        </p:nvSpPr>
-        <p:spPr>
-          <a:xfrm>
-            <a:off x="1605280" y="2318357"/>
-            <a:ext cx="1530816" cy="1065506"/>
-          </a:xfrm>
-          <a:prstGeom prst="mathMultiply">
-            <a:avLst>
-              <a:gd name="adj1" fmla="val 8654"/>
-            </a:avLst>
-          </a:prstGeom>
-          <a:gradFill>
-            <a:gsLst>
-              <a:gs pos="0">
-                <a:srgbClr val="FF0000"/>
-              </a:gs>
-              <a:gs pos="100000">
-                <a:srgbClr val="FF6600"/>
-              </a:gs>
-            </a:gsLst>
-          </a:gradFill>
-        </p:spPr>
-        <p:style>
-          <a:lnRef idx="1">
-            <a:schemeClr val="accent1"/>
-          </a:lnRef>
-          <a:fillRef idx="3">
-            <a:schemeClr val="accent1"/>
-          </a:fillRef>
-          <a:effectRef idx="2">
-            <a:schemeClr val="accent1"/>
-          </a:effectRef>
-          <a:fontRef idx="minor">
-            <a:schemeClr val="lt1"/>
-          </a:fontRef>
-        </p:style>
-        <p:txBody>
-          <a:bodyPr rtlCol="0" anchor="ctr"/>
-          <a:lstStyle/>
-          <a:p>
-            <a:pPr algn="ctr"/>
-            <a:endParaRPr kumimoji="1" lang="ja-JP" altLang="en-US">
-              <a:latin typeface="ヒラギノ丸ゴ ProN W4"/>
-              <a:ea typeface="ヒラギノ丸ゴ ProN W4"/>
-              <a:cs typeface="ヒラギノ丸ゴ ProN W4"/>
-            </a:endParaRPr>
-          </a:p>
-        </p:txBody>
-      </p:sp>
     </p:spTree>
     <p:extLst>
       <p:ext uri="{BB962C8B-B14F-4D97-AF65-F5344CB8AC3E}">
-        <p14:creationId xmlns:p14="http://schemas.microsoft.com/office/powerpoint/2010/main" val="2502214503"/>
+        <p14:creationId xmlns:p14="http://schemas.microsoft.com/office/powerpoint/2010/main" val="3297424113"/>
       </p:ext>
     </p:extLst>
   </p:cSld>
@@ -6273,20 +6577,12 @@
           <a:lstStyle/>
           <a:p>
             <a:r>
-              <a:rPr kumimoji="1" lang="en-US" altLang="ja-JP" dirty="0" smtClean="0"/>
-              <a:t>Fig</a:t>
-            </a:r>
-            <a:r>
-              <a:rPr lang="ja-JP" altLang="ja-JP" dirty="0"/>
-              <a:t>5</a:t>
-            </a:r>
-            <a:r>
-              <a:rPr kumimoji="1" lang="en-US" altLang="ja-JP" dirty="0" smtClean="0"/>
-              <a:t>. </a:t>
+              <a:rPr lang="en-US" altLang="ja-JP" dirty="0" smtClean="0"/>
+              <a:t>Fig4 </a:t>
             </a:r>
             <a:r>
               <a:rPr lang="ja-JP" altLang="en-US" dirty="0" smtClean="0"/>
-              <a:t>追加</a:t>
+              <a:t>削除</a:t>
             </a:r>
             <a:endParaRPr kumimoji="1" lang="ja-JP" altLang="en-US" dirty="0"/>
           </a:p>
@@ -6449,6 +6745,519 @@
           <a:prstGeom prst="rect">
             <a:avLst/>
           </a:prstGeom>
+          <a:gradFill>
+            <a:gsLst>
+              <a:gs pos="0">
+                <a:schemeClr val="accent1">
+                  <a:tint val="100000"/>
+                  <a:shade val="100000"/>
+                  <a:satMod val="130000"/>
+                  <a:alpha val="25000"/>
+                </a:schemeClr>
+              </a:gs>
+              <a:gs pos="100000">
+                <a:schemeClr val="accent1">
+                  <a:tint val="50000"/>
+                  <a:shade val="100000"/>
+                  <a:satMod val="350000"/>
+                </a:schemeClr>
+              </a:gs>
+            </a:gsLst>
+          </a:gradFill>
+        </p:spPr>
+        <p:style>
+          <a:lnRef idx="1">
+            <a:schemeClr val="accent1"/>
+          </a:lnRef>
+          <a:fillRef idx="3">
+            <a:schemeClr val="accent1"/>
+          </a:fillRef>
+          <a:effectRef idx="2">
+            <a:schemeClr val="accent1"/>
+          </a:effectRef>
+          <a:fontRef idx="minor">
+            <a:schemeClr val="lt1"/>
+          </a:fontRef>
+        </p:style>
+        <p:txBody>
+          <a:bodyPr wrap="none" rtlCol="0" anchor="ctr"/>
+          <a:lstStyle/>
+          <a:p>
+            <a:pPr algn="ctr"/>
+            <a:r>
+              <a:rPr kumimoji="1" lang="en-US" altLang="ja-JP" sz="1400" dirty="0" smtClean="0">
+                <a:latin typeface="ヒラギノ丸ゴ ProN W4"/>
+                <a:ea typeface="ヒラギノ丸ゴ ProN W4"/>
+                <a:cs typeface="ヒラギノ丸ゴ ProN W4"/>
+              </a:rPr>
+              <a:t>ICC</a:t>
+            </a:r>
+            <a:r>
+              <a:rPr lang="en-US" altLang="en-US" sz="1400" dirty="0">
+                <a:latin typeface="ヒラギノ丸ゴ ProN W4"/>
+                <a:ea typeface="ヒラギノ丸ゴ ProN W4"/>
+                <a:cs typeface="ヒラギノ丸ゴ ProN W4"/>
+              </a:rPr>
+              <a:t> </a:t>
+            </a:r>
+            <a:r>
+              <a:rPr lang="en-US" altLang="en-US" sz="1400" dirty="0" smtClean="0">
+                <a:latin typeface="ヒラギノ丸ゴ ProN W4"/>
+                <a:ea typeface="ヒラギノ丸ゴ ProN W4"/>
+                <a:cs typeface="ヒラギノ丸ゴ ProN W4"/>
+              </a:rPr>
+              <a:t>Profile</a:t>
+            </a:r>
+            <a:endParaRPr kumimoji="1" lang="ja-JP" altLang="en-US" sz="1400" dirty="0">
+              <a:latin typeface="ヒラギノ丸ゴ ProN W4"/>
+              <a:ea typeface="ヒラギノ丸ゴ ProN W4"/>
+              <a:cs typeface="ヒラギノ丸ゴ ProN W4"/>
+            </a:endParaRPr>
+          </a:p>
+        </p:txBody>
+      </p:sp>
+      <p:sp>
+        <p:nvSpPr>
+          <p:cNvPr id="8" name="正方形/長方形 7"/>
+          <p:cNvSpPr/>
+          <p:nvPr/>
+        </p:nvSpPr>
+        <p:spPr>
+          <a:xfrm>
+            <a:off x="1997498" y="2362290"/>
+            <a:ext cx="669792" cy="407385"/>
+          </a:xfrm>
+          <a:prstGeom prst="rect">
+            <a:avLst/>
+          </a:prstGeom>
+          <a:gradFill>
+            <a:gsLst>
+              <a:gs pos="0">
+                <a:srgbClr val="FF6600">
+                  <a:alpha val="25000"/>
+                </a:srgbClr>
+              </a:gs>
+              <a:gs pos="100000">
+                <a:schemeClr val="accent6">
+                  <a:lumMod val="60000"/>
+                  <a:lumOff val="40000"/>
+                </a:schemeClr>
+              </a:gs>
+            </a:gsLst>
+          </a:gradFill>
+        </p:spPr>
+        <p:style>
+          <a:lnRef idx="1">
+            <a:schemeClr val="accent1"/>
+          </a:lnRef>
+          <a:fillRef idx="3">
+            <a:schemeClr val="accent1"/>
+          </a:fillRef>
+          <a:effectRef idx="2">
+            <a:schemeClr val="accent1"/>
+          </a:effectRef>
+          <a:fontRef idx="minor">
+            <a:schemeClr val="lt1"/>
+          </a:fontRef>
+        </p:style>
+        <p:txBody>
+          <a:bodyPr rtlCol="0" anchor="ctr"/>
+          <a:lstStyle/>
+          <a:p>
+            <a:pPr algn="ctr"/>
+            <a:r>
+              <a:rPr kumimoji="1" lang="en-US" altLang="ja-JP" sz="1200" dirty="0" smtClean="0">
+                <a:latin typeface="ヒラギノ丸ゴ ProN W4"/>
+                <a:ea typeface="ヒラギノ丸ゴ ProN W4"/>
+                <a:cs typeface="ヒラギノ丸ゴ ProN W4"/>
+              </a:rPr>
+              <a:t>APP2</a:t>
+            </a:r>
+          </a:p>
+          <a:p>
+            <a:pPr algn="ctr"/>
+            <a:r>
+              <a:rPr lang="en-US" altLang="ja-JP" sz="1200" dirty="0" smtClean="0">
+                <a:latin typeface="ヒラギノ丸ゴ ProN W4"/>
+                <a:ea typeface="ヒラギノ丸ゴ ProN W4"/>
+                <a:cs typeface="ヒラギノ丸ゴ ProN W4"/>
+              </a:rPr>
+              <a:t>ffe2</a:t>
+            </a:r>
+            <a:endParaRPr kumimoji="1" lang="ja-JP" altLang="en-US" sz="1200" dirty="0">
+              <a:latin typeface="ヒラギノ丸ゴ ProN W4"/>
+              <a:ea typeface="ヒラギノ丸ゴ ProN W4"/>
+              <a:cs typeface="ヒラギノ丸ゴ ProN W4"/>
+            </a:endParaRPr>
+          </a:p>
+        </p:txBody>
+      </p:sp>
+      <p:pic>
+        <p:nvPicPr>
+          <p:cNvPr id="10" name="図 9" descr="saitama2-1.png"/>
+          <p:cNvPicPr>
+            <a:picLocks noChangeAspect="1"/>
+          </p:cNvPicPr>
+          <p:nvPr/>
+        </p:nvPicPr>
+        <p:blipFill>
+          <a:blip r:embed="rId3">
+            <a:extLst>
+              <a:ext uri="{28A0092B-C50C-407E-A947-70E740481C1C}">
+                <a14:useLocalDpi xmlns:a14="http://schemas.microsoft.com/office/drawing/2010/main" val="0"/>
+              </a:ext>
+            </a:extLst>
+          </a:blip>
+          <a:stretch>
+            <a:fillRect/>
+          </a:stretch>
+        </p:blipFill>
+        <p:spPr>
+          <a:xfrm>
+            <a:off x="3321022" y="2107988"/>
+            <a:ext cx="1264447" cy="717880"/>
+          </a:xfrm>
+          <a:prstGeom prst="rect">
+            <a:avLst/>
+          </a:prstGeom>
+        </p:spPr>
+      </p:pic>
+      <p:sp>
+        <p:nvSpPr>
+          <p:cNvPr id="17" name="正方形/長方形 16"/>
+          <p:cNvSpPr/>
+          <p:nvPr/>
+        </p:nvSpPr>
+        <p:spPr>
+          <a:xfrm>
+            <a:off x="1929778" y="3323787"/>
+            <a:ext cx="755240" cy="474881"/>
+          </a:xfrm>
+          <a:prstGeom prst="rect">
+            <a:avLst/>
+          </a:prstGeom>
+          <a:noFill/>
+          <a:ln>
+            <a:noFill/>
+          </a:ln>
+        </p:spPr>
+        <p:style>
+          <a:lnRef idx="1">
+            <a:schemeClr val="accent1"/>
+          </a:lnRef>
+          <a:fillRef idx="3">
+            <a:schemeClr val="accent1"/>
+          </a:fillRef>
+          <a:effectRef idx="2">
+            <a:schemeClr val="accent1"/>
+          </a:effectRef>
+          <a:fontRef idx="minor">
+            <a:schemeClr val="lt1"/>
+          </a:fontRef>
+        </p:style>
+        <p:txBody>
+          <a:bodyPr wrap="none" rtlCol="0" anchor="ctr" anchorCtr="0"/>
+          <a:lstStyle/>
+          <a:p>
+            <a:pPr algn="ctr"/>
+            <a:r>
+              <a:rPr lang="ja-JP" altLang="en-US" dirty="0" smtClean="0">
+                <a:solidFill>
+                  <a:srgbClr val="000000"/>
+                </a:solidFill>
+                <a:latin typeface="ヒラギノ丸ゴ ProN W4"/>
+                <a:ea typeface="ヒラギノ丸ゴ ProN W4"/>
+                <a:cs typeface="ヒラギノ丸ゴ ProN W4"/>
+              </a:rPr>
+              <a:t>削除</a:t>
+            </a:r>
+            <a:endParaRPr kumimoji="1" lang="ja-JP" altLang="en-US" dirty="0">
+              <a:solidFill>
+                <a:srgbClr val="000000"/>
+              </a:solidFill>
+              <a:latin typeface="ヒラギノ丸ゴ ProN W4"/>
+              <a:ea typeface="ヒラギノ丸ゴ ProN W4"/>
+              <a:cs typeface="ヒラギノ丸ゴ ProN W4"/>
+            </a:endParaRPr>
+          </a:p>
+        </p:txBody>
+      </p:sp>
+      <p:sp>
+        <p:nvSpPr>
+          <p:cNvPr id="12" name="乗算記号 11"/>
+          <p:cNvSpPr/>
+          <p:nvPr/>
+        </p:nvSpPr>
+        <p:spPr>
+          <a:xfrm>
+            <a:off x="1605280" y="2318357"/>
+            <a:ext cx="1530816" cy="1065506"/>
+          </a:xfrm>
+          <a:prstGeom prst="mathMultiply">
+            <a:avLst>
+              <a:gd name="adj1" fmla="val 8654"/>
+            </a:avLst>
+          </a:prstGeom>
+          <a:gradFill>
+            <a:gsLst>
+              <a:gs pos="0">
+                <a:srgbClr val="FF0000"/>
+              </a:gs>
+              <a:gs pos="100000">
+                <a:srgbClr val="FF6600"/>
+              </a:gs>
+            </a:gsLst>
+          </a:gradFill>
+        </p:spPr>
+        <p:style>
+          <a:lnRef idx="1">
+            <a:schemeClr val="accent1"/>
+          </a:lnRef>
+          <a:fillRef idx="3">
+            <a:schemeClr val="accent1"/>
+          </a:fillRef>
+          <a:effectRef idx="2">
+            <a:schemeClr val="accent1"/>
+          </a:effectRef>
+          <a:fontRef idx="minor">
+            <a:schemeClr val="lt1"/>
+          </a:fontRef>
+        </p:style>
+        <p:txBody>
+          <a:bodyPr rtlCol="0" anchor="ctr"/>
+          <a:lstStyle/>
+          <a:p>
+            <a:pPr algn="ctr"/>
+            <a:endParaRPr kumimoji="1" lang="ja-JP" altLang="en-US">
+              <a:latin typeface="ヒラギノ丸ゴ ProN W4"/>
+              <a:ea typeface="ヒラギノ丸ゴ ProN W4"/>
+              <a:cs typeface="ヒラギノ丸ゴ ProN W4"/>
+            </a:endParaRPr>
+          </a:p>
+        </p:txBody>
+      </p:sp>
+    </p:spTree>
+    <p:extLst>
+      <p:ext uri="{BB962C8B-B14F-4D97-AF65-F5344CB8AC3E}">
+        <p14:creationId xmlns:p14="http://schemas.microsoft.com/office/powerpoint/2010/main" val="2502214503"/>
+      </p:ext>
+    </p:extLst>
+  </p:cSld>
+  <p:clrMapOvr>
+    <a:masterClrMapping/>
+  </p:clrMapOvr>
+</p:sld>
+</file>
+
+<file path=ppt/slides/slide7.xml><?xml version="1.0" encoding="utf-8"?>
+<p:sld xmlns:a="http://schemas.openxmlformats.org/drawingml/2006/main" xmlns:r="http://schemas.openxmlformats.org/officeDocument/2006/relationships" xmlns:p="http://schemas.openxmlformats.org/presentationml/2006/main">
+  <p:cSld>
+    <p:spTree>
+      <p:nvGrpSpPr>
+        <p:cNvPr id="1" name=""/>
+        <p:cNvGrpSpPr/>
+        <p:nvPr/>
+      </p:nvGrpSpPr>
+      <p:grpSpPr>
+        <a:xfrm>
+          <a:off x="0" y="0"/>
+          <a:ext cx="0" cy="0"/>
+          <a:chOff x="0" y="0"/>
+          <a:chExt cx="0" cy="0"/>
+        </a:xfrm>
+      </p:grpSpPr>
+      <p:sp>
+        <p:nvSpPr>
+          <p:cNvPr id="2" name="タイトル 1"/>
+          <p:cNvSpPr>
+            <a:spLocks noGrp="1"/>
+          </p:cNvSpPr>
+          <p:nvPr>
+            <p:ph type="title"/>
+          </p:nvPr>
+        </p:nvSpPr>
+        <p:spPr/>
+        <p:txBody>
+          <a:bodyPr/>
+          <a:lstStyle/>
+          <a:p>
+            <a:r>
+              <a:rPr kumimoji="1" lang="en-US" altLang="ja-JP" dirty="0" smtClean="0"/>
+              <a:t>Fig</a:t>
+            </a:r>
+            <a:r>
+              <a:rPr lang="ja-JP" altLang="ja-JP" dirty="0"/>
+              <a:t>5</a:t>
+            </a:r>
+            <a:r>
+              <a:rPr kumimoji="1" lang="en-US" altLang="ja-JP" dirty="0" smtClean="0"/>
+              <a:t>. </a:t>
+            </a:r>
+            <a:r>
+              <a:rPr lang="ja-JP" altLang="en-US" dirty="0" smtClean="0"/>
+              <a:t>追加</a:t>
+            </a:r>
+            <a:endParaRPr kumimoji="1" lang="ja-JP" altLang="en-US" dirty="0"/>
+          </a:p>
+        </p:txBody>
+      </p:sp>
+      <p:sp>
+        <p:nvSpPr>
+          <p:cNvPr id="3" name="コンテンツ プレースホルダー 2"/>
+          <p:cNvSpPr>
+            <a:spLocks noGrp="1"/>
+          </p:cNvSpPr>
+          <p:nvPr>
+            <p:ph idx="1"/>
+          </p:nvPr>
+        </p:nvSpPr>
+        <p:spPr/>
+        <p:txBody>
+          <a:bodyPr/>
+          <a:lstStyle/>
+          <a:p>
+            <a:endParaRPr kumimoji="1" lang="ja-JP" altLang="en-US" dirty="0"/>
+          </a:p>
+        </p:txBody>
+      </p:sp>
+      <p:sp>
+        <p:nvSpPr>
+          <p:cNvPr id="4" name="正方形/長方形 3"/>
+          <p:cNvSpPr/>
+          <p:nvPr/>
+        </p:nvSpPr>
+        <p:spPr>
+          <a:xfrm>
+            <a:off x="962787" y="2520832"/>
+            <a:ext cx="4259453" cy="802955"/>
+          </a:xfrm>
+          <a:prstGeom prst="rect">
+            <a:avLst/>
+          </a:prstGeom>
+          <a:gradFill>
+            <a:gsLst>
+              <a:gs pos="0">
+                <a:srgbClr val="FF6600"/>
+              </a:gs>
+              <a:gs pos="100000">
+                <a:schemeClr val="accent6">
+                  <a:lumMod val="60000"/>
+                  <a:lumOff val="40000"/>
+                </a:schemeClr>
+              </a:gs>
+            </a:gsLst>
+          </a:gradFill>
+          <a:ln>
+            <a:solidFill>
+              <a:schemeClr val="tx1"/>
+            </a:solidFill>
+          </a:ln>
+          <a:effectLst/>
+        </p:spPr>
+        <p:style>
+          <a:lnRef idx="1">
+            <a:schemeClr val="accent1"/>
+          </a:lnRef>
+          <a:fillRef idx="3">
+            <a:schemeClr val="accent1"/>
+          </a:fillRef>
+          <a:effectRef idx="2">
+            <a:schemeClr val="accent1"/>
+          </a:effectRef>
+          <a:fontRef idx="minor">
+            <a:schemeClr val="lt1"/>
+          </a:fontRef>
+        </p:style>
+        <p:txBody>
+          <a:bodyPr rtlCol="0" anchor="t" anchorCtr="0"/>
+          <a:lstStyle/>
+          <a:p>
+            <a:r>
+              <a:rPr lang="en-US" altLang="ja-JP" dirty="0" smtClean="0">
+                <a:solidFill>
+                  <a:srgbClr val="000000"/>
+                </a:solidFill>
+                <a:latin typeface="ヒラギノ丸ゴ ProN W4"/>
+                <a:ea typeface="ヒラギノ丸ゴ ProN W4"/>
+                <a:cs typeface="ヒラギノ丸ゴ ProN W4"/>
+              </a:rPr>
+              <a:t>JPEG</a:t>
+            </a:r>
+            <a:endParaRPr kumimoji="1" lang="ja-JP" altLang="en-US" dirty="0">
+              <a:solidFill>
+                <a:srgbClr val="000000"/>
+              </a:solidFill>
+              <a:latin typeface="ヒラギノ丸ゴ ProN W4"/>
+              <a:ea typeface="ヒラギノ丸ゴ ProN W4"/>
+              <a:cs typeface="ヒラギノ丸ゴ ProN W4"/>
+            </a:endParaRPr>
+          </a:p>
+        </p:txBody>
+      </p:sp>
+      <p:sp>
+        <p:nvSpPr>
+          <p:cNvPr id="6" name="正方形/長方形 5"/>
+          <p:cNvSpPr/>
+          <p:nvPr/>
+        </p:nvSpPr>
+        <p:spPr>
+          <a:xfrm>
+            <a:off x="2988225" y="2656627"/>
+            <a:ext cx="1972457" cy="533359"/>
+          </a:xfrm>
+          <a:prstGeom prst="rect">
+            <a:avLst/>
+          </a:prstGeom>
+        </p:spPr>
+        <p:style>
+          <a:lnRef idx="1">
+            <a:schemeClr val="accent1"/>
+          </a:lnRef>
+          <a:fillRef idx="3">
+            <a:schemeClr val="accent1"/>
+          </a:fillRef>
+          <a:effectRef idx="2">
+            <a:schemeClr val="accent1"/>
+          </a:effectRef>
+          <a:fontRef idx="minor">
+            <a:schemeClr val="lt1"/>
+          </a:fontRef>
+        </p:style>
+        <p:txBody>
+          <a:bodyPr wrap="none" rtlCol="0" anchor="ctr"/>
+          <a:lstStyle/>
+          <a:p>
+            <a:pPr algn="ctr"/>
+            <a:r>
+              <a:rPr kumimoji="1" lang="ja-JP" altLang="en-US" sz="1400" dirty="0" smtClean="0">
+                <a:latin typeface="ヒラギノ丸ゴ ProN W4"/>
+                <a:ea typeface="ヒラギノ丸ゴ ProN W4"/>
+                <a:cs typeface="ヒラギノ丸ゴ ProN W4"/>
+              </a:rPr>
+              <a:t>画像データ</a:t>
+            </a:r>
+            <a:endParaRPr kumimoji="1" lang="ja-JP" altLang="en-US" sz="1400" dirty="0">
+              <a:latin typeface="ヒラギノ丸ゴ ProN W4"/>
+              <a:ea typeface="ヒラギノ丸ゴ ProN W4"/>
+              <a:cs typeface="ヒラギノ丸ゴ ProN W4"/>
+            </a:endParaRPr>
+          </a:p>
+        </p:txBody>
+      </p:sp>
+      <p:sp>
+        <p:nvSpPr>
+          <p:cNvPr id="7" name="正方形/長方形 6"/>
+          <p:cNvSpPr/>
+          <p:nvPr/>
+        </p:nvSpPr>
+        <p:spPr>
+          <a:xfrm>
+            <a:off x="1852520" y="2655630"/>
+            <a:ext cx="982597" cy="533359"/>
+          </a:xfrm>
+          <a:prstGeom prst="rect">
+            <a:avLst/>
+          </a:prstGeom>
         </p:spPr>
         <p:style>
           <a:lnRef idx="1">
@@ -6792,7 +7601,7 @@
 </p:sld>
 </file>
 
-<file path=ppt/slides/slide7.xml><?xml version="1.0" encoding="utf-8"?>
+<file path=ppt/slides/slide8.xml><?xml version="1.0" encoding="utf-8"?>
 <p:sld xmlns:a="http://schemas.openxmlformats.org/drawingml/2006/main" xmlns:r="http://schemas.openxmlformats.org/officeDocument/2006/relationships" xmlns:p="http://schemas.openxmlformats.org/presentationml/2006/main">
   <p:cSld>
     <p:spTree>
@@ -7565,7 +8374,7 @@
 </p:sld>
 </file>
 
-<file path=ppt/slides/slide8.xml><?xml version="1.0" encoding="utf-8"?>
+<file path=ppt/slides/slide9.xml><?xml version="1.0" encoding="utf-8"?>
 <p:sld xmlns:a="http://schemas.openxmlformats.org/drawingml/2006/main" xmlns:r="http://schemas.openxmlformats.org/officeDocument/2006/relationships" xmlns:p="http://schemas.openxmlformats.org/presentationml/2006/main">
   <p:cSld>
     <p:spTree>

--- a/content/2017/08/06/imicc.pptx
+++ b/content/2017/08/06/imicc.pptx
@@ -5544,212 +5544,6 @@
           </a:prstGeom>
         </p:spPr>
       </p:pic>
-      <p:sp>
-        <p:nvSpPr>
-          <p:cNvPr id="22" name="正方形/長方形 21"/>
-          <p:cNvSpPr/>
-          <p:nvPr/>
-        </p:nvSpPr>
-        <p:spPr>
-          <a:xfrm>
-            <a:off x="2988225" y="5464720"/>
-            <a:ext cx="982597" cy="533359"/>
-          </a:xfrm>
-          <a:prstGeom prst="rect">
-            <a:avLst/>
-          </a:prstGeom>
-        </p:spPr>
-        <p:style>
-          <a:lnRef idx="1">
-            <a:schemeClr val="accent1"/>
-          </a:lnRef>
-          <a:fillRef idx="3">
-            <a:schemeClr val="accent1"/>
-          </a:fillRef>
-          <a:effectRef idx="2">
-            <a:schemeClr val="accent1"/>
-          </a:effectRef>
-          <a:fontRef idx="minor">
-            <a:schemeClr val="lt1"/>
-          </a:fontRef>
-        </p:style>
-        <p:txBody>
-          <a:bodyPr wrap="none" rtlCol="0" anchor="ctr"/>
-          <a:lstStyle/>
-          <a:p>
-            <a:pPr algn="ctr"/>
-            <a:r>
-              <a:rPr kumimoji="1" lang="en-US" altLang="ja-JP" sz="1400" dirty="0" smtClean="0">
-                <a:latin typeface="ヒラギノ丸ゴ ProN W4"/>
-                <a:ea typeface="ヒラギノ丸ゴ ProN W4"/>
-                <a:cs typeface="ヒラギノ丸ゴ ProN W4"/>
-              </a:rPr>
-              <a:t>ICC</a:t>
-            </a:r>
-            <a:r>
-              <a:rPr lang="en-US" altLang="en-US" sz="1400" dirty="0">
-                <a:latin typeface="ヒラギノ丸ゴ ProN W4"/>
-                <a:ea typeface="ヒラギノ丸ゴ ProN W4"/>
-                <a:cs typeface="ヒラギノ丸ゴ ProN W4"/>
-              </a:rPr>
-              <a:t> </a:t>
-            </a:r>
-            <a:r>
-              <a:rPr lang="en-US" altLang="en-US" sz="1400" dirty="0" smtClean="0">
-                <a:latin typeface="ヒラギノ丸ゴ ProN W4"/>
-                <a:ea typeface="ヒラギノ丸ゴ ProN W4"/>
-                <a:cs typeface="ヒラギノ丸ゴ ProN W4"/>
-              </a:rPr>
-              <a:t>Profile</a:t>
-            </a:r>
-            <a:endParaRPr kumimoji="1" lang="ja-JP" altLang="en-US" sz="1400" dirty="0">
-              <a:latin typeface="ヒラギノ丸ゴ ProN W4"/>
-              <a:ea typeface="ヒラギノ丸ゴ ProN W4"/>
-              <a:cs typeface="ヒラギノ丸ゴ ProN W4"/>
-            </a:endParaRPr>
-          </a:p>
-        </p:txBody>
-      </p:sp>
-      <p:pic>
-        <p:nvPicPr>
-          <p:cNvPr id="23" name="図 22" descr="saitama2-1.png"/>
-          <p:cNvPicPr>
-            <a:picLocks noChangeAspect="1"/>
-          </p:cNvPicPr>
-          <p:nvPr/>
-        </p:nvPicPr>
-        <p:blipFill>
-          <a:blip r:embed="rId3">
-            <a:extLst>
-              <a:ext uri="{28A0092B-C50C-407E-A947-70E740481C1C}">
-                <a14:useLocalDpi xmlns:a14="http://schemas.microsoft.com/office/drawing/2010/main" val="0"/>
-              </a:ext>
-            </a:extLst>
-          </a:blip>
-          <a:stretch>
-            <a:fillRect/>
-          </a:stretch>
-        </p:blipFill>
-        <p:spPr>
-          <a:xfrm>
-            <a:off x="1269999" y="5376624"/>
-            <a:ext cx="1165041" cy="661443"/>
-          </a:xfrm>
-          <a:prstGeom prst="rect">
-            <a:avLst/>
-          </a:prstGeom>
-        </p:spPr>
-      </p:pic>
-      <p:sp>
-        <p:nvSpPr>
-          <p:cNvPr id="24" name="加算記号 23"/>
-          <p:cNvSpPr/>
-          <p:nvPr/>
-        </p:nvSpPr>
-        <p:spPr>
-          <a:xfrm>
-            <a:off x="2444419" y="5464720"/>
-            <a:ext cx="486382" cy="533359"/>
-          </a:xfrm>
-          <a:prstGeom prst="mathPlus">
-            <a:avLst/>
-          </a:prstGeom>
-        </p:spPr>
-        <p:style>
-          <a:lnRef idx="1">
-            <a:schemeClr val="accent1"/>
-          </a:lnRef>
-          <a:fillRef idx="3">
-            <a:schemeClr val="accent1"/>
-          </a:fillRef>
-          <a:effectRef idx="2">
-            <a:schemeClr val="accent1"/>
-          </a:effectRef>
-          <a:fontRef idx="minor">
-            <a:schemeClr val="lt1"/>
-          </a:fontRef>
-        </p:style>
-        <p:txBody>
-          <a:bodyPr rtlCol="0" anchor="ctr"/>
-          <a:lstStyle/>
-          <a:p>
-            <a:pPr algn="ctr"/>
-            <a:endParaRPr kumimoji="1" lang="ja-JP" altLang="en-US"/>
-          </a:p>
-        </p:txBody>
-      </p:sp>
-      <p:pic>
-        <p:nvPicPr>
-          <p:cNvPr id="25" name="図 24" descr="saitama1-1.png"/>
-          <p:cNvPicPr>
-            <a:picLocks noChangeAspect="1"/>
-          </p:cNvPicPr>
-          <p:nvPr/>
-        </p:nvPicPr>
-        <p:blipFill>
-          <a:blip r:embed="rId4">
-            <a:extLst>
-              <a:ext uri="{28A0092B-C50C-407E-A947-70E740481C1C}">
-                <a14:useLocalDpi xmlns:a14="http://schemas.microsoft.com/office/drawing/2010/main" val="0"/>
-              </a:ext>
-            </a:extLst>
-          </a:blip>
-          <a:stretch>
-            <a:fillRect/>
-          </a:stretch>
-        </p:blipFill>
-        <p:spPr>
-          <a:xfrm>
-            <a:off x="4531493" y="5380637"/>
-            <a:ext cx="1157974" cy="657430"/>
-          </a:xfrm>
-          <a:prstGeom prst="rect">
-            <a:avLst/>
-          </a:prstGeom>
-        </p:spPr>
-      </p:pic>
-      <p:sp>
-        <p:nvSpPr>
-          <p:cNvPr id="26" name="等号 25"/>
-          <p:cNvSpPr/>
-          <p:nvPr/>
-        </p:nvSpPr>
-        <p:spPr>
-          <a:xfrm>
-            <a:off x="4056575" y="5604810"/>
-            <a:ext cx="406400" cy="381666"/>
-          </a:xfrm>
-          <a:prstGeom prst="mathEqual">
-            <a:avLst/>
-          </a:prstGeom>
-        </p:spPr>
-        <p:style>
-          <a:lnRef idx="1">
-            <a:schemeClr val="accent1"/>
-          </a:lnRef>
-          <a:fillRef idx="3">
-            <a:schemeClr val="accent1"/>
-          </a:fillRef>
-          <a:effectRef idx="2">
-            <a:schemeClr val="accent1"/>
-          </a:effectRef>
-          <a:fontRef idx="minor">
-            <a:schemeClr val="lt1"/>
-          </a:fontRef>
-        </p:style>
-        <p:txBody>
-          <a:bodyPr rtlCol="0" anchor="ctr"/>
-          <a:lstStyle/>
-          <a:p>
-            <a:pPr algn="ctr"/>
-            <a:endParaRPr kumimoji="1" lang="ja-JP" altLang="en-US">
-              <a:solidFill>
-                <a:schemeClr val="tx1"/>
-              </a:solidFill>
-            </a:endParaRPr>
-          </a:p>
-        </p:txBody>
-      </p:sp>
       <p:sp>
         <p:nvSpPr>
           <p:cNvPr id="14" name="正方形/長方形 13"/>
